--- a/Documentation/Meeting Minutes/Sprint Review and Planning Meeting/BCDSS_Sprint_2_Review_Sprint_3_Planning.pptx
+++ b/Documentation/Meeting Minutes/Sprint Review and Planning Meeting/BCDSS_Sprint_2_Review_Sprint_3_Planning.pptx
@@ -213,12 +213,8 @@
               </a:defRPr>
             </a:pPr>
             <a:r>
-              <a:rPr lang="en-US" dirty="0" smtClean="0"/>
-              <a:t>Velocity </a:t>
-            </a:r>
-            <a:r>
-              <a:rPr lang="en-US" dirty="0"/>
-              <a:t>Chart</a:t>
+              <a:rPr lang="en-US"/>
+              <a:t>Velocity Chart</a:t>
             </a:r>
           </a:p>
         </c:rich>
@@ -396,7 +392,7 @@
                   <c:v>32</c:v>
                 </c:pt>
                 <c:pt idx="2">
-                  <c:v>0</c:v>
+                  <c:v>18</c:v>
                 </c:pt>
                 <c:pt idx="3">
                   <c:v>0</c:v>
@@ -506,7 +502,7 @@
                   <c:v>14</c:v>
                 </c:pt>
                 <c:pt idx="2">
-                  <c:v>0</c:v>
+                  <c:v>19</c:v>
                 </c:pt>
                 <c:pt idx="3">
                   <c:v>0</c:v>
@@ -528,12 +524,12 @@
         </c:dLbls>
         <c:gapWidth val="150"/>
         <c:shape val="box"/>
-        <c:axId val="190786312"/>
-        <c:axId val="190786696"/>
+        <c:axId val="301708472"/>
+        <c:axId val="301712784"/>
         <c:axId val="0"/>
       </c:bar3DChart>
       <c:catAx>
-        <c:axId val="190786312"/>
+        <c:axId val="301708472"/>
         <c:scaling>
           <c:orientation val="minMax"/>
         </c:scaling>
@@ -576,7 +572,7 @@
             <a:endParaRPr lang="en-US"/>
           </a:p>
         </c:txPr>
-        <c:crossAx val="190786696"/>
+        <c:crossAx val="301712784"/>
         <c:crosses val="autoZero"/>
         <c:auto val="1"/>
         <c:lblAlgn val="ctr"/>
@@ -584,7 +580,7 @@
         <c:noMultiLvlLbl val="0"/>
       </c:catAx>
       <c:valAx>
-        <c:axId val="190786696"/>
+        <c:axId val="301712784"/>
         <c:scaling>
           <c:orientation val="minMax"/>
         </c:scaling>
@@ -635,7 +631,7 @@
             <a:endParaRPr lang="en-US"/>
           </a:p>
         </c:txPr>
-        <c:crossAx val="190786312"/>
+        <c:crossAx val="301708472"/>
         <c:crosses val="autoZero"/>
         <c:crossBetween val="between"/>
       </c:valAx>
@@ -775,11 +771,11 @@
         </c:dLbls>
         <c:marker val="1"/>
         <c:smooth val="0"/>
-        <c:axId val="192008096"/>
-        <c:axId val="192008488"/>
+        <c:axId val="303904928"/>
+        <c:axId val="303906496"/>
       </c:lineChart>
       <c:catAx>
-        <c:axId val="192008096"/>
+        <c:axId val="303904928"/>
         <c:scaling>
           <c:orientation val="minMax"/>
         </c:scaling>
@@ -822,7 +818,7 @@
             <a:endParaRPr lang="en-US"/>
           </a:p>
         </c:txPr>
-        <c:crossAx val="192008488"/>
+        <c:crossAx val="303906496"/>
         <c:crosses val="autoZero"/>
         <c:auto val="1"/>
         <c:lblAlgn val="ctr"/>
@@ -830,7 +826,7 @@
         <c:noMultiLvlLbl val="0"/>
       </c:catAx>
       <c:valAx>
-        <c:axId val="192008488"/>
+        <c:axId val="303906496"/>
         <c:scaling>
           <c:orientation val="minMax"/>
         </c:scaling>
@@ -881,7 +877,7 @@
             <a:endParaRPr lang="en-US"/>
           </a:p>
         </c:txPr>
-        <c:crossAx val="192008096"/>
+        <c:crossAx val="303904928"/>
         <c:crosses val="autoZero"/>
         <c:crossBetween val="between"/>
       </c:valAx>
@@ -1219,7 +1215,7 @@
                   <c:v>0</c:v>
                 </c:pt>
                 <c:pt idx="1">
-                  <c:v>6</c:v>
+                  <c:v>3</c:v>
                 </c:pt>
                 <c:pt idx="2">
                   <c:v>20</c:v>
@@ -1379,12 +1375,12 @@
         </c:dLbls>
         <c:gapWidth val="150"/>
         <c:shape val="box"/>
-        <c:axId val="191445616"/>
-        <c:axId val="191710992"/>
+        <c:axId val="301706904"/>
+        <c:axId val="301708864"/>
         <c:axId val="0"/>
       </c:bar3DChart>
       <c:catAx>
-        <c:axId val="191445616"/>
+        <c:axId val="301706904"/>
         <c:scaling>
           <c:orientation val="minMax"/>
         </c:scaling>
@@ -1421,7 +1417,7 @@
             <a:endParaRPr lang="en-US"/>
           </a:p>
         </c:txPr>
-        <c:crossAx val="191710992"/>
+        <c:crossAx val="301708864"/>
         <c:crosses val="autoZero"/>
         <c:auto val="1"/>
         <c:lblAlgn val="ctr"/>
@@ -1429,7 +1425,7 @@
         <c:noMultiLvlLbl val="0"/>
       </c:catAx>
       <c:valAx>
-        <c:axId val="191710992"/>
+        <c:axId val="301708864"/>
         <c:scaling>
           <c:orientation val="minMax"/>
         </c:scaling>
@@ -1466,7 +1462,7 @@
             <a:endParaRPr lang="en-US"/>
           </a:p>
         </c:txPr>
-        <c:crossAx val="191445616"/>
+        <c:crossAx val="301706904"/>
         <c:crosses val="autoZero"/>
         <c:crossBetween val="between"/>
       </c:valAx>
@@ -1606,12 +1602,12 @@
         </c:dLbls>
         <c:gapWidth val="150"/>
         <c:shape val="box"/>
-        <c:axId val="189189128"/>
-        <c:axId val="189189520"/>
+        <c:axId val="303178472"/>
+        <c:axId val="303179648"/>
         <c:axId val="0"/>
       </c:bar3DChart>
       <c:catAx>
-        <c:axId val="189189128"/>
+        <c:axId val="303178472"/>
         <c:scaling>
           <c:orientation val="minMax"/>
         </c:scaling>
@@ -1648,7 +1644,7 @@
             <a:endParaRPr lang="en-US"/>
           </a:p>
         </c:txPr>
-        <c:crossAx val="189189520"/>
+        <c:crossAx val="303179648"/>
         <c:crosses val="autoZero"/>
         <c:auto val="1"/>
         <c:lblAlgn val="ctr"/>
@@ -1656,7 +1652,7 @@
         <c:noMultiLvlLbl val="0"/>
       </c:catAx>
       <c:valAx>
-        <c:axId val="189189520"/>
+        <c:axId val="303179648"/>
         <c:scaling>
           <c:orientation val="minMax"/>
         </c:scaling>
@@ -1693,7 +1689,7 @@
             <a:endParaRPr lang="en-US"/>
           </a:p>
         </c:txPr>
-        <c:crossAx val="189189128"/>
+        <c:crossAx val="303178472"/>
         <c:crosses val="autoZero"/>
         <c:crossBetween val="between"/>
       </c:valAx>
@@ -1843,12 +1839,12 @@
         </c:dLbls>
         <c:gapWidth val="150"/>
         <c:shape val="box"/>
-        <c:axId val="191579560"/>
-        <c:axId val="191579952"/>
+        <c:axId val="303180432"/>
+        <c:axId val="303178864"/>
         <c:axId val="0"/>
       </c:bar3DChart>
       <c:catAx>
-        <c:axId val="191579560"/>
+        <c:axId val="303180432"/>
         <c:scaling>
           <c:orientation val="minMax"/>
         </c:scaling>
@@ -1885,7 +1881,7 @@
             <a:endParaRPr lang="en-US"/>
           </a:p>
         </c:txPr>
-        <c:crossAx val="191579952"/>
+        <c:crossAx val="303178864"/>
         <c:crosses val="autoZero"/>
         <c:auto val="1"/>
         <c:lblAlgn val="ctr"/>
@@ -1893,7 +1889,7 @@
         <c:noMultiLvlLbl val="0"/>
       </c:catAx>
       <c:valAx>
-        <c:axId val="191579952"/>
+        <c:axId val="303178864"/>
         <c:scaling>
           <c:orientation val="minMax"/>
         </c:scaling>
@@ -1930,7 +1926,7 @@
             <a:endParaRPr lang="en-US"/>
           </a:p>
         </c:txPr>
-        <c:crossAx val="191579560"/>
+        <c:crossAx val="303180432"/>
         <c:crosses val="autoZero"/>
         <c:crossBetween val="between"/>
       </c:valAx>
@@ -2031,11 +2027,11 @@
         </c:dLbls>
         <c:marker val="1"/>
         <c:smooth val="0"/>
-        <c:axId val="191581128"/>
-        <c:axId val="192255352"/>
+        <c:axId val="303177296"/>
+        <c:axId val="303180040"/>
       </c:lineChart>
       <c:catAx>
-        <c:axId val="191581128"/>
+        <c:axId val="303177296"/>
         <c:scaling>
           <c:orientation val="minMax"/>
         </c:scaling>
@@ -2078,7 +2074,7 @@
             <a:endParaRPr lang="en-US"/>
           </a:p>
         </c:txPr>
-        <c:crossAx val="192255352"/>
+        <c:crossAx val="303180040"/>
         <c:crosses val="autoZero"/>
         <c:auto val="1"/>
         <c:lblAlgn val="ctr"/>
@@ -2086,7 +2082,7 @@
         <c:noMultiLvlLbl val="0"/>
       </c:catAx>
       <c:valAx>
-        <c:axId val="192255352"/>
+        <c:axId val="303180040"/>
         <c:scaling>
           <c:orientation val="minMax"/>
         </c:scaling>
@@ -2137,7 +2133,7 @@
             <a:endParaRPr lang="en-US"/>
           </a:p>
         </c:txPr>
-        <c:crossAx val="191581128"/>
+        <c:crossAx val="303177296"/>
         <c:crosses val="autoZero"/>
         <c:crossBetween val="between"/>
       </c:valAx>
@@ -2277,12 +2273,12 @@
         </c:dLbls>
         <c:gapWidth val="150"/>
         <c:shape val="box"/>
-        <c:axId val="192256528"/>
-        <c:axId val="192256920"/>
+        <c:axId val="303905320"/>
+        <c:axId val="303909632"/>
         <c:axId val="0"/>
       </c:bar3DChart>
       <c:catAx>
-        <c:axId val="192256528"/>
+        <c:axId val="303905320"/>
         <c:scaling>
           <c:orientation val="minMax"/>
         </c:scaling>
@@ -2319,7 +2315,7 @@
             <a:endParaRPr lang="en-US"/>
           </a:p>
         </c:txPr>
-        <c:crossAx val="192256920"/>
+        <c:crossAx val="303909632"/>
         <c:crosses val="autoZero"/>
         <c:auto val="1"/>
         <c:lblAlgn val="ctr"/>
@@ -2327,7 +2323,7 @@
         <c:noMultiLvlLbl val="0"/>
       </c:catAx>
       <c:valAx>
-        <c:axId val="192256920"/>
+        <c:axId val="303909632"/>
         <c:scaling>
           <c:orientation val="minMax"/>
         </c:scaling>
@@ -2364,7 +2360,7 @@
             <a:endParaRPr lang="en-US"/>
           </a:p>
         </c:txPr>
-        <c:crossAx val="192256528"/>
+        <c:crossAx val="303905320"/>
         <c:crosses val="autoZero"/>
         <c:crossBetween val="between"/>
       </c:valAx>
@@ -2504,12 +2500,12 @@
         </c:dLbls>
         <c:gapWidth val="150"/>
         <c:shape val="box"/>
-        <c:axId val="192257704"/>
-        <c:axId val="192258096"/>
+        <c:axId val="303910808"/>
+        <c:axId val="303910024"/>
         <c:axId val="0"/>
       </c:bar3DChart>
       <c:catAx>
-        <c:axId val="192257704"/>
+        <c:axId val="303910808"/>
         <c:scaling>
           <c:orientation val="minMax"/>
         </c:scaling>
@@ -2546,7 +2542,7 @@
             <a:endParaRPr lang="en-US"/>
           </a:p>
         </c:txPr>
-        <c:crossAx val="192258096"/>
+        <c:crossAx val="303910024"/>
         <c:crosses val="autoZero"/>
         <c:auto val="1"/>
         <c:lblAlgn val="ctr"/>
@@ -2554,7 +2550,7 @@
         <c:noMultiLvlLbl val="0"/>
       </c:catAx>
       <c:valAx>
-        <c:axId val="192258096"/>
+        <c:axId val="303910024"/>
         <c:scaling>
           <c:orientation val="minMax"/>
         </c:scaling>
@@ -2591,7 +2587,7 @@
             <a:endParaRPr lang="en-US"/>
           </a:p>
         </c:txPr>
-        <c:crossAx val="192257704"/>
+        <c:crossAx val="303910808"/>
         <c:crosses val="autoZero"/>
         <c:crossBetween val="between"/>
       </c:valAx>
@@ -2741,12 +2737,12 @@
         </c:dLbls>
         <c:gapWidth val="150"/>
         <c:shape val="box"/>
-        <c:axId val="192006920"/>
-        <c:axId val="192007312"/>
+        <c:axId val="303911200"/>
+        <c:axId val="303904536"/>
         <c:axId val="0"/>
       </c:bar3DChart>
       <c:catAx>
-        <c:axId val="192006920"/>
+        <c:axId val="303911200"/>
         <c:scaling>
           <c:orientation val="minMax"/>
         </c:scaling>
@@ -2783,7 +2779,7 @@
             <a:endParaRPr lang="en-US"/>
           </a:p>
         </c:txPr>
-        <c:crossAx val="192007312"/>
+        <c:crossAx val="303904536"/>
         <c:crosses val="autoZero"/>
         <c:auto val="1"/>
         <c:lblAlgn val="ctr"/>
@@ -2791,7 +2787,7 @@
         <c:noMultiLvlLbl val="0"/>
       </c:catAx>
       <c:valAx>
-        <c:axId val="192007312"/>
+        <c:axId val="303904536"/>
         <c:scaling>
           <c:orientation val="minMax"/>
         </c:scaling>
@@ -2828,7 +2824,7 @@
             <a:endParaRPr lang="en-US"/>
           </a:p>
         </c:txPr>
-        <c:crossAx val="192006920"/>
+        <c:crossAx val="303911200"/>
         <c:crosses val="autoZero"/>
         <c:crossBetween val="between"/>
       </c:valAx>
@@ -13691,6 +13687,26 @@
           </a:bodyPr>
           <a:lstStyle/>
           <a:p>
+            <a:pPr marL="285750" lvl="0" indent="-285750">
+              <a:buFont typeface="Arial" panose="020B0604020202020204" pitchFamily="34" charset="0"/>
+              <a:buChar char="•"/>
+            </a:pPr>
+            <a:r>
+              <a:rPr lang="en-US" dirty="0" smtClean="0"/>
+              <a:t>Single point failure – need back ups for Development roles</a:t>
+            </a:r>
+          </a:p>
+          <a:p>
+            <a:pPr marL="285750" lvl="0" indent="-285750">
+              <a:buFont typeface="Arial" panose="020B0604020202020204" pitchFamily="34" charset="0"/>
+              <a:buChar char="•"/>
+            </a:pPr>
+            <a:r>
+              <a:rPr lang="en-US" dirty="0" smtClean="0"/>
+              <a:t>Fix Wi-Fi issues and plan to use VA Lync meetings</a:t>
+            </a:r>
+          </a:p>
+          <a:p>
             <a:pPr lvl="0"/>
             <a:endParaRPr lang="en-US" dirty="0"/>
           </a:p>
@@ -14064,7 +14080,17 @@
               <a:buFont typeface="Arial" panose="020B0604020202020204" pitchFamily="34" charset="0"/>
               <a:buChar char="•"/>
             </a:pPr>
-            <a:endParaRPr lang="en-US" i="1" dirty="0">
+            <a:r>
+              <a:rPr lang="en-US" dirty="0" smtClean="0">
+                <a:solidFill>
+                  <a:schemeClr val="accent2">
+                    <a:lumMod val="50000"/>
+                  </a:schemeClr>
+                </a:solidFill>
+              </a:rPr>
+              <a:t>Things are going well, as per the plan</a:t>
+            </a:r>
+            <a:endParaRPr lang="en-US" dirty="0">
               <a:solidFill>
                 <a:schemeClr val="accent2">
                   <a:lumMod val="50000"/>
@@ -15843,7 +15869,7 @@
             <a:avLst/>
           </a:prstGeom>
           <a:solidFill>
-            <a:schemeClr val="bg1"/>
+            <a:srgbClr val="00B050"/>
           </a:solidFill>
           <a:ln w="9525" cap="flat" cmpd="sng" algn="ctr">
             <a:solidFill>
@@ -16488,7 +16514,7 @@
                 <a:latin typeface="+mn-lt"/>
                 <a:cs typeface="Calibri" pitchFamily="34" charset="0"/>
               </a:rPr>
-              <a:t>5/31</a:t>
+              <a:t>6/03</a:t>
             </a:r>
             <a:endParaRPr lang="en-US" sz="1400" b="1" dirty="0">
               <a:latin typeface="+mn-lt"/>
@@ -16909,6 +16935,165 @@
           </a:p>
         </p:txBody>
       </p:sp>
+      <p:sp>
+        <p:nvSpPr>
+          <p:cNvPr id="3" name="Rectangle 2"/>
+          <p:cNvSpPr/>
+          <p:nvPr/>
+        </p:nvSpPr>
+        <p:spPr>
+          <a:xfrm>
+            <a:off x="189780" y="1362822"/>
+            <a:ext cx="8704053" cy="1477328"/>
+          </a:xfrm>
+          <a:prstGeom prst="rect">
+            <a:avLst/>
+          </a:prstGeom>
+        </p:spPr>
+        <p:txBody>
+          <a:bodyPr wrap="square">
+            <a:spAutoFit/>
+          </a:bodyPr>
+          <a:lstStyle/>
+          <a:p>
+            <a:pPr marL="342900" marR="0" lvl="0" indent="-342900">
+              <a:spcBef>
+                <a:spcPts val="0"/>
+              </a:spcBef>
+              <a:spcAft>
+                <a:spcPts val="0"/>
+              </a:spcAft>
+              <a:buFont typeface="Symbol" panose="05050102010706020507" pitchFamily="18" charset="2"/>
+              <a:buChar char=""/>
+            </a:pPr>
+            <a:r>
+              <a:rPr lang="en-US" dirty="0" smtClean="0">
+                <a:latin typeface="Calibri" panose="020F0502020204030204" pitchFamily="34" charset="0"/>
+                <a:ea typeface="Times New Roman" panose="02020603050405020304" pitchFamily="18" charset="0"/>
+                <a:cs typeface="Times New Roman" panose="02020603050405020304" pitchFamily="18" charset="0"/>
+              </a:rPr>
+              <a:t>Prioritization </a:t>
+            </a:r>
+            <a:r>
+              <a:rPr lang="en-US" dirty="0">
+                <a:latin typeface="Calibri" panose="020F0502020204030204" pitchFamily="34" charset="0"/>
+                <a:ea typeface="Times New Roman" panose="02020603050405020304" pitchFamily="18" charset="0"/>
+                <a:cs typeface="Times New Roman" panose="02020603050405020304" pitchFamily="18" charset="0"/>
+              </a:rPr>
+              <a:t>of User management process tasks </a:t>
+            </a:r>
+          </a:p>
+          <a:p>
+            <a:pPr marL="342900" marR="0" lvl="0" indent="-342900">
+              <a:spcBef>
+                <a:spcPts val="0"/>
+              </a:spcBef>
+              <a:spcAft>
+                <a:spcPts val="0"/>
+              </a:spcAft>
+              <a:buFont typeface="Symbol" panose="05050102010706020507" pitchFamily="18" charset="2"/>
+              <a:buChar char=""/>
+            </a:pPr>
+            <a:r>
+              <a:rPr lang="en-US" dirty="0">
+                <a:latin typeface="Calibri" panose="020F0502020204030204" pitchFamily="34" charset="0"/>
+                <a:ea typeface="Times New Roman" panose="02020603050405020304" pitchFamily="18" charset="0"/>
+                <a:cs typeface="Times New Roman" panose="02020603050405020304" pitchFamily="18" charset="0"/>
+              </a:rPr>
+              <a:t>Prioritization of Role-based security </a:t>
+            </a:r>
+            <a:r>
+              <a:rPr lang="en-US" dirty="0" smtClean="0">
+                <a:latin typeface="Calibri" panose="020F0502020204030204" pitchFamily="34" charset="0"/>
+                <a:ea typeface="Times New Roman" panose="02020603050405020304" pitchFamily="18" charset="0"/>
+                <a:cs typeface="Times New Roman" panose="02020603050405020304" pitchFamily="18" charset="0"/>
+              </a:rPr>
+              <a:t>tasks</a:t>
+            </a:r>
+          </a:p>
+          <a:p>
+            <a:pPr marL="342900" marR="0" lvl="0" indent="-342900">
+              <a:spcBef>
+                <a:spcPts val="0"/>
+              </a:spcBef>
+              <a:spcAft>
+                <a:spcPts val="0"/>
+              </a:spcAft>
+              <a:buFont typeface="Symbol" panose="05050102010706020507" pitchFamily="18" charset="2"/>
+              <a:buChar char=""/>
+            </a:pPr>
+            <a:r>
+              <a:rPr lang="en-US" dirty="0" smtClean="0">
+                <a:latin typeface="Calibri" panose="020F0502020204030204" pitchFamily="34" charset="0"/>
+                <a:ea typeface="Times New Roman" panose="02020603050405020304" pitchFamily="18" charset="0"/>
+                <a:cs typeface="Times New Roman" panose="02020603050405020304" pitchFamily="18" charset="0"/>
+              </a:rPr>
+              <a:t>Continue to do wireframe updates for Modeling Agent and Administrative Dashboard</a:t>
+            </a:r>
+          </a:p>
+          <a:p>
+            <a:pPr marL="342900" indent="-342900">
+              <a:spcBef>
+                <a:spcPts val="0"/>
+              </a:spcBef>
+              <a:spcAft>
+                <a:spcPts val="0"/>
+              </a:spcAft>
+              <a:buFont typeface="Symbol" panose="05050102010706020507" pitchFamily="18" charset="2"/>
+              <a:buChar char=""/>
+            </a:pPr>
+            <a:r>
+              <a:rPr lang="en-US" dirty="0">
+                <a:latin typeface="Calibri" panose="020F0502020204030204" pitchFamily="34" charset="0"/>
+                <a:ea typeface="Times New Roman" panose="02020603050405020304" pitchFamily="18" charset="0"/>
+                <a:cs typeface="Times New Roman" panose="02020603050405020304" pitchFamily="18" charset="0"/>
+              </a:rPr>
+              <a:t>Wrap up Logon/Logoff </a:t>
+            </a:r>
+            <a:r>
+              <a:rPr lang="en-US" dirty="0" smtClean="0">
+                <a:latin typeface="Calibri" panose="020F0502020204030204" pitchFamily="34" charset="0"/>
+                <a:ea typeface="Times New Roman" panose="02020603050405020304" pitchFamily="18" charset="0"/>
+                <a:cs typeface="Times New Roman" panose="02020603050405020304" pitchFamily="18" charset="0"/>
+              </a:rPr>
+              <a:t>process</a:t>
+            </a:r>
+          </a:p>
+          <a:p>
+            <a:pPr marL="342900" lvl="0" indent="-342900">
+              <a:spcBef>
+                <a:spcPts val="0"/>
+              </a:spcBef>
+              <a:spcAft>
+                <a:spcPts val="0"/>
+              </a:spcAft>
+              <a:buFont typeface="Symbol" panose="05050102010706020507" pitchFamily="18" charset="2"/>
+              <a:buChar char=""/>
+            </a:pPr>
+            <a:r>
+              <a:rPr lang="en-US" dirty="0">
+                <a:latin typeface="Calibri" panose="020F0502020204030204" pitchFamily="34" charset="0"/>
+                <a:ea typeface="Times New Roman" panose="02020603050405020304" pitchFamily="18" charset="0"/>
+                <a:cs typeface="Times New Roman" panose="02020603050405020304" pitchFamily="18" charset="0"/>
+              </a:rPr>
+              <a:t>Start work on the Dashboard for </a:t>
+            </a:r>
+            <a:r>
+              <a:rPr lang="en-US" dirty="0" smtClean="0">
+                <a:latin typeface="Calibri" panose="020F0502020204030204" pitchFamily="34" charset="0"/>
+                <a:ea typeface="Times New Roman" panose="02020603050405020304" pitchFamily="18" charset="0"/>
+                <a:cs typeface="Times New Roman" panose="02020603050405020304" pitchFamily="18" charset="0"/>
+              </a:rPr>
+              <a:t>Rater</a:t>
+            </a:r>
+            <a:endParaRPr lang="en-US" dirty="0">
+              <a:latin typeface="Calibri" panose="020F0502020204030204" pitchFamily="34" charset="0"/>
+              <a:ea typeface="Times New Roman" panose="02020603050405020304" pitchFamily="18" charset="0"/>
+              <a:cs typeface="Times New Roman" panose="02020603050405020304" pitchFamily="18" charset="0"/>
+            </a:endParaRPr>
+          </a:p>
+        </p:txBody>
+      </p:sp>
     </p:spTree>
     <p:extLst>
       <p:ext uri="{BB962C8B-B14F-4D97-AF65-F5344CB8AC3E}">
@@ -16968,7 +17153,23 @@
           <a:p>
             <a:r>
               <a:rPr lang="en-US" dirty="0"/>
-              <a:t>BCDSS – Sprint 1 Review &amp; Sprint 2 </a:t>
+              <a:t>BCDSS – Sprint </a:t>
+            </a:r>
+            <a:r>
+              <a:rPr lang="en-US" dirty="0" smtClean="0"/>
+              <a:t>2 </a:t>
+            </a:r>
+            <a:r>
+              <a:rPr lang="en-US" dirty="0"/>
+              <a:t>Review &amp; </a:t>
+            </a:r>
+            <a:r>
+              <a:rPr lang="en-US"/>
+              <a:t>Sprint </a:t>
+            </a:r>
+            <a:r>
+              <a:rPr lang="en-US" smtClean="0"/>
+              <a:t>3 </a:t>
             </a:r>
             <a:r>
               <a:rPr lang="en-US" dirty="0" smtClean="0"/>
@@ -17356,7 +17557,7 @@
           <p:nvPr>
             <p:extLst>
               <p:ext uri="{D42A27DB-BD31-4B8C-83A1-F6EECF244321}">
-                <p14:modId xmlns:p14="http://schemas.microsoft.com/office/powerpoint/2010/main" val="134555327"/>
+                <p14:modId xmlns:p14="http://schemas.microsoft.com/office/powerpoint/2010/main" val="307583777"/>
               </p:ext>
             </p:extLst>
           </p:nvPr>
@@ -17935,6 +18136,18 @@
                     <a:lstStyle/>
                     <a:p>
                       <a:pPr marL="0" algn="ctr" defTabSz="457200" rtl="0" eaLnBrk="1" fontAlgn="b" latinLnBrk="0" hangingPunct="1"/>
+                      <a:r>
+                        <a:rPr lang="en-US" sz="1100" b="0" i="0" u="none" strike="noStrike" kern="1200" dirty="0" smtClean="0">
+                          <a:solidFill>
+                            <a:sysClr val="windowText" lastClr="000000"/>
+                          </a:solidFill>
+                          <a:effectLst/>
+                          <a:latin typeface="+mn-lt"/>
+                          <a:ea typeface="+mn-ea"/>
+                          <a:cs typeface="+mn-cs"/>
+                        </a:rPr>
+                        <a:t>*</a:t>
+                      </a:r>
                       <a:endParaRPr lang="en-US" sz="1100" b="0" i="0" u="none" strike="noStrike" kern="1200" dirty="0">
                         <a:solidFill>
                           <a:sysClr val="windowText" lastClr="000000"/>
@@ -18156,6 +18369,18 @@
                     <a:lstStyle/>
                     <a:p>
                       <a:pPr marL="0" algn="ctr" defTabSz="457200" rtl="0" eaLnBrk="1" fontAlgn="b" latinLnBrk="0" hangingPunct="1"/>
+                      <a:r>
+                        <a:rPr lang="en-US" sz="1100" b="0" i="0" u="none" strike="noStrike" kern="1200" dirty="0" smtClean="0">
+                          <a:solidFill>
+                            <a:sysClr val="windowText" lastClr="000000"/>
+                          </a:solidFill>
+                          <a:effectLst/>
+                          <a:latin typeface="+mn-lt"/>
+                          <a:ea typeface="+mn-ea"/>
+                          <a:cs typeface="+mn-cs"/>
+                        </a:rPr>
+                        <a:t>*</a:t>
+                      </a:r>
                       <a:endParaRPr lang="en-US" sz="1100" b="0" i="0" u="none" strike="noStrike" kern="1200" dirty="0">
                         <a:solidFill>
                           <a:sysClr val="windowText" lastClr="000000"/>
@@ -18232,7 +18457,7 @@
                         </a:spcAft>
                       </a:pPr>
                       <a:r>
-                        <a:rPr lang="en-US" sz="1050" b="0" i="0" u="none" strike="noStrike" kern="1200">
+                        <a:rPr lang="en-US" sz="1050" b="0" i="0" u="none" strike="noStrike" kern="1200" dirty="0">
                           <a:solidFill>
                             <a:sysClr val="windowText" lastClr="000000"/>
                           </a:solidFill>
@@ -18481,7 +18706,7 @@
                         </a:spcAft>
                       </a:pPr>
                       <a:r>
-                        <a:rPr lang="en-US" sz="1050" b="0" i="0" u="none" strike="noStrike" kern="1200">
+                        <a:rPr lang="en-US" sz="1050" b="0" i="0" u="none" strike="noStrike" kern="1200" dirty="0">
                           <a:solidFill>
                             <a:sysClr val="windowText" lastClr="000000"/>
                           </a:solidFill>
@@ -18666,6 +18891,18 @@
                     <a:lstStyle/>
                     <a:p>
                       <a:pPr marL="0" algn="ctr" defTabSz="457200" rtl="0" eaLnBrk="1" fontAlgn="b" latinLnBrk="0" hangingPunct="1"/>
+                      <a:r>
+                        <a:rPr lang="en-US" sz="1100" b="0" i="0" u="none" strike="noStrike" kern="1200" dirty="0" smtClean="0">
+                          <a:solidFill>
+                            <a:sysClr val="windowText" lastClr="000000"/>
+                          </a:solidFill>
+                          <a:effectLst/>
+                          <a:latin typeface="+mn-lt"/>
+                          <a:ea typeface="+mn-ea"/>
+                          <a:cs typeface="+mn-cs"/>
+                        </a:rPr>
+                        <a:t>*</a:t>
+                      </a:r>
                       <a:endParaRPr lang="en-US" sz="1100" b="0" i="0" u="none" strike="noStrike" kern="1200" dirty="0">
                         <a:solidFill>
                           <a:sysClr val="windowText" lastClr="000000"/>
@@ -18742,7 +18979,7 @@
                         </a:spcAft>
                       </a:pPr>
                       <a:r>
-                        <a:rPr lang="en-US" sz="1050" b="0" i="0" u="none" strike="noStrike" kern="1200">
+                        <a:rPr lang="en-US" sz="1050" b="0" i="0" u="none" strike="noStrike" kern="1200" dirty="0">
                           <a:solidFill>
                             <a:sysClr val="windowText" lastClr="000000"/>
                           </a:solidFill>
@@ -18991,7 +19228,7 @@
                         </a:spcAft>
                       </a:pPr>
                       <a:r>
-                        <a:rPr lang="en-US" sz="1050" b="0" i="0" u="none" strike="noStrike" kern="1200">
+                        <a:rPr lang="en-US" sz="1050" b="0" i="0" u="none" strike="noStrike" kern="1200" dirty="0">
                           <a:solidFill>
                             <a:sysClr val="windowText" lastClr="000000"/>
                           </a:solidFill>
@@ -19164,6 +19401,18 @@
                     <a:lstStyle/>
                     <a:p>
                       <a:pPr marL="0" algn="ctr" defTabSz="457200" rtl="0" eaLnBrk="1" fontAlgn="b" latinLnBrk="0" hangingPunct="1"/>
+                      <a:r>
+                        <a:rPr lang="en-US" sz="1100" b="0" i="0" u="none" strike="noStrike" kern="1200" dirty="0" smtClean="0">
+                          <a:solidFill>
+                            <a:sysClr val="windowText" lastClr="000000"/>
+                          </a:solidFill>
+                          <a:effectLst/>
+                          <a:latin typeface="+mn-lt"/>
+                          <a:ea typeface="+mn-ea"/>
+                          <a:cs typeface="+mn-cs"/>
+                        </a:rPr>
+                        <a:t>*</a:t>
+                      </a:r>
                       <a:endParaRPr lang="en-US" sz="1100" b="0" i="0" u="none" strike="noStrike" kern="1200" dirty="0">
                         <a:solidFill>
                           <a:sysClr val="windowText" lastClr="000000"/>
@@ -19240,7 +19489,7 @@
                         </a:spcAft>
                       </a:pPr>
                       <a:r>
-                        <a:rPr lang="en-US" sz="1050" b="0" i="0" u="none" strike="noStrike" kern="1200">
+                        <a:rPr lang="en-US" sz="1050" b="0" i="0" u="none" strike="noStrike" kern="1200" dirty="0">
                           <a:solidFill>
                             <a:sysClr val="windowText" lastClr="000000"/>
                           </a:solidFill>
@@ -19489,7 +19738,7 @@
                         </a:spcAft>
                       </a:pPr>
                       <a:r>
-                        <a:rPr lang="en-US" sz="1050" b="0" i="0" u="none" strike="noStrike" kern="1200">
+                        <a:rPr lang="en-US" sz="1050" b="0" i="0" u="none" strike="noStrike" kern="1200" dirty="0">
                           <a:solidFill>
                             <a:sysClr val="windowText" lastClr="000000"/>
                           </a:solidFill>
@@ -20276,6 +20525,18 @@
                     <a:lstStyle/>
                     <a:p>
                       <a:pPr marL="0" algn="ctr" defTabSz="457200" rtl="0" eaLnBrk="1" fontAlgn="b" latinLnBrk="0" hangingPunct="1"/>
+                      <a:r>
+                        <a:rPr lang="en-US" sz="1100" b="0" i="0" u="none" strike="noStrike" kern="1200" dirty="0" smtClean="0">
+                          <a:solidFill>
+                            <a:sysClr val="windowText" lastClr="000000"/>
+                          </a:solidFill>
+                          <a:effectLst/>
+                          <a:latin typeface="+mn-lt"/>
+                          <a:ea typeface="+mn-ea"/>
+                          <a:cs typeface="+mn-cs"/>
+                        </a:rPr>
+                        <a:t>*</a:t>
+                      </a:r>
                       <a:endParaRPr lang="en-US" sz="1100" b="0" i="0" u="none" strike="noStrike" kern="1200" dirty="0">
                         <a:solidFill>
                           <a:sysClr val="windowText" lastClr="000000"/>
@@ -20518,6 +20779,18 @@
                     <a:lstStyle/>
                     <a:p>
                       <a:pPr marL="0" algn="ctr" defTabSz="457200" rtl="0" eaLnBrk="1" fontAlgn="b" latinLnBrk="0" hangingPunct="1"/>
+                      <a:r>
+                        <a:rPr lang="en-US" sz="1100" b="0" i="0" u="none" strike="noStrike" kern="1200" dirty="0" smtClean="0">
+                          <a:solidFill>
+                            <a:sysClr val="windowText" lastClr="000000"/>
+                          </a:solidFill>
+                          <a:effectLst/>
+                          <a:latin typeface="+mn-lt"/>
+                          <a:ea typeface="+mn-ea"/>
+                          <a:cs typeface="+mn-cs"/>
+                        </a:rPr>
+                        <a:t>*</a:t>
+                      </a:r>
                       <a:endParaRPr lang="en-US" sz="1100" b="0" i="0" u="none" strike="noStrike" kern="1200" dirty="0">
                         <a:solidFill>
                           <a:sysClr val="windowText" lastClr="000000"/>
@@ -20760,6 +21033,18 @@
                     <a:lstStyle/>
                     <a:p>
                       <a:pPr marL="0" algn="ctr" defTabSz="457200" rtl="0" eaLnBrk="1" fontAlgn="b" latinLnBrk="0" hangingPunct="1"/>
+                      <a:r>
+                        <a:rPr lang="en-US" sz="1100" b="0" i="0" u="none" strike="noStrike" kern="1200" dirty="0" smtClean="0">
+                          <a:solidFill>
+                            <a:sysClr val="windowText" lastClr="000000"/>
+                          </a:solidFill>
+                          <a:effectLst/>
+                          <a:latin typeface="+mn-lt"/>
+                          <a:ea typeface="+mn-ea"/>
+                          <a:cs typeface="+mn-cs"/>
+                        </a:rPr>
+                        <a:t>*</a:t>
+                      </a:r>
                       <a:endParaRPr lang="en-US" sz="1100" b="0" i="0" u="none" strike="noStrike" kern="1200" dirty="0">
                         <a:solidFill>
                           <a:sysClr val="windowText" lastClr="000000"/>
@@ -21495,6 +21780,18 @@
                     <a:lstStyle/>
                     <a:p>
                       <a:pPr marL="0" algn="ctr" defTabSz="457200" rtl="0" eaLnBrk="1" fontAlgn="b" latinLnBrk="0" hangingPunct="1"/>
+                      <a:r>
+                        <a:rPr lang="en-US" sz="1100" b="0" i="0" u="none" strike="noStrike" kern="1200" dirty="0" smtClean="0">
+                          <a:solidFill>
+                            <a:sysClr val="windowText" lastClr="000000"/>
+                          </a:solidFill>
+                          <a:effectLst/>
+                          <a:latin typeface="+mn-lt"/>
+                          <a:ea typeface="+mn-ea"/>
+                          <a:cs typeface="+mn-cs"/>
+                        </a:rPr>
+                        <a:t>*</a:t>
+                      </a:r>
                       <a:endParaRPr lang="en-US" sz="1100" b="0" i="0" u="none" strike="noStrike" kern="1200" dirty="0">
                         <a:solidFill>
                           <a:sysClr val="windowText" lastClr="000000"/>
@@ -21737,6 +22034,18 @@
                     <a:lstStyle/>
                     <a:p>
                       <a:pPr marL="0" algn="ctr" defTabSz="457200" rtl="0" eaLnBrk="1" fontAlgn="b" latinLnBrk="0" hangingPunct="1"/>
+                      <a:r>
+                        <a:rPr lang="en-US" sz="1100" b="0" i="0" u="none" strike="noStrike" kern="1200" dirty="0" smtClean="0">
+                          <a:solidFill>
+                            <a:sysClr val="windowText" lastClr="000000"/>
+                          </a:solidFill>
+                          <a:effectLst/>
+                          <a:latin typeface="+mn-lt"/>
+                          <a:ea typeface="+mn-ea"/>
+                          <a:cs typeface="+mn-cs"/>
+                        </a:rPr>
+                        <a:t>*</a:t>
+                      </a:r>
                       <a:endParaRPr lang="en-US" sz="1100" b="0" i="0" u="none" strike="noStrike" kern="1200" dirty="0">
                         <a:solidFill>
                           <a:sysClr val="windowText" lastClr="000000"/>
@@ -21979,6 +22288,18 @@
                     <a:lstStyle/>
                     <a:p>
                       <a:pPr marL="0" algn="ctr" defTabSz="457200" rtl="0" eaLnBrk="1" fontAlgn="b" latinLnBrk="0" hangingPunct="1"/>
+                      <a:r>
+                        <a:rPr lang="en-US" sz="1100" b="0" i="0" u="none" strike="noStrike" kern="1200" dirty="0" smtClean="0">
+                          <a:solidFill>
+                            <a:sysClr val="windowText" lastClr="000000"/>
+                          </a:solidFill>
+                          <a:effectLst/>
+                          <a:latin typeface="+mn-lt"/>
+                          <a:ea typeface="+mn-ea"/>
+                          <a:cs typeface="+mn-cs"/>
+                        </a:rPr>
+                        <a:t>*</a:t>
+                      </a:r>
                       <a:endParaRPr lang="en-US" sz="1100" b="0" i="0" u="none" strike="noStrike" kern="1200" dirty="0">
                         <a:solidFill>
                           <a:sysClr val="windowText" lastClr="000000"/>
@@ -22463,6 +22784,18 @@
                     <a:lstStyle/>
                     <a:p>
                       <a:pPr marL="0" algn="ctr" defTabSz="457200" rtl="0" eaLnBrk="1" fontAlgn="b" latinLnBrk="0" hangingPunct="1"/>
+                      <a:r>
+                        <a:rPr lang="en-US" sz="1100" b="0" i="0" u="none" strike="noStrike" kern="1200" dirty="0" smtClean="0">
+                          <a:solidFill>
+                            <a:sysClr val="windowText" lastClr="000000"/>
+                          </a:solidFill>
+                          <a:effectLst/>
+                          <a:latin typeface="+mn-lt"/>
+                          <a:ea typeface="+mn-ea"/>
+                          <a:cs typeface="+mn-cs"/>
+                        </a:rPr>
+                        <a:t>*</a:t>
+                      </a:r>
                       <a:endParaRPr lang="en-US" sz="1100" b="0" i="0" u="none" strike="noStrike" kern="1200" dirty="0">
                         <a:solidFill>
                           <a:sysClr val="windowText" lastClr="000000"/>
@@ -23061,7 +23394,15 @@
                 <a:ea typeface="Times New Roman" panose="02020603050405020304" pitchFamily="18" charset="0"/>
                 <a:cs typeface="Times New Roman" panose="02020603050405020304" pitchFamily="18" charset="0"/>
               </a:rPr>
-              <a:t>Generate and receive approval for Administrator Dashboard and resulting UI/UX elements</a:t>
+              <a:t>Generate and receive approval for Administrator Dashboard and resulting UI/UX </a:t>
+            </a:r>
+            <a:r>
+              <a:rPr lang="en-US" dirty="0" smtClean="0">
+                <a:latin typeface="Calibri" panose="020F0502020204030204" pitchFamily="34" charset="0"/>
+                <a:ea typeface="Times New Roman" panose="02020603050405020304" pitchFamily="18" charset="0"/>
+                <a:cs typeface="Times New Roman" panose="02020603050405020304" pitchFamily="18" charset="0"/>
+              </a:rPr>
+              <a:t>elements</a:t>
             </a:r>
           </a:p>
           <a:p>
@@ -23081,23 +23422,7 @@
                 <a:ea typeface="Times New Roman" panose="02020603050405020304" pitchFamily="18" charset="0"/>
                 <a:cs typeface="Times New Roman" panose="02020603050405020304" pitchFamily="18" charset="0"/>
               </a:rPr>
-              <a:t>Update all documentation for </a:t>
-            </a:r>
-            <a:r>
-              <a:rPr lang="en-US" smtClean="0">
-                <a:latin typeface="Calibri" panose="020F0502020204030204" pitchFamily="34" charset="0"/>
-                <a:ea typeface="Times New Roman" panose="02020603050405020304" pitchFamily="18" charset="0"/>
-                <a:cs typeface="Times New Roman" panose="02020603050405020304" pitchFamily="18" charset="0"/>
-              </a:rPr>
-              <a:t>the Collaborative </a:t>
-            </a:r>
-            <a:r>
-              <a:rPr lang="en-US" dirty="0" smtClean="0">
-                <a:latin typeface="Calibri" panose="020F0502020204030204" pitchFamily="34" charset="0"/>
-                <a:ea typeface="Times New Roman" panose="02020603050405020304" pitchFamily="18" charset="0"/>
-                <a:cs typeface="Times New Roman" panose="02020603050405020304" pitchFamily="18" charset="0"/>
-              </a:rPr>
-              <a:t>Deliverable Package</a:t>
+              <a:t>Update all documentation for the Collaborative Deliverable Package</a:t>
             </a:r>
             <a:endParaRPr lang="en-US" dirty="0">
               <a:latin typeface="Calibri" panose="020F0502020204030204" pitchFamily="34" charset="0"/>
@@ -23284,6 +23609,412 @@
           </a:p>
         </p:txBody>
       </p:sp>
+      <p:sp>
+        <p:nvSpPr>
+          <p:cNvPr id="5" name="Rectangle 4"/>
+          <p:cNvSpPr/>
+          <p:nvPr/>
+        </p:nvSpPr>
+        <p:spPr>
+          <a:xfrm>
+            <a:off x="250164" y="1431985"/>
+            <a:ext cx="8646699" cy="3970318"/>
+          </a:xfrm>
+          <a:prstGeom prst="rect">
+            <a:avLst/>
+          </a:prstGeom>
+        </p:spPr>
+        <p:txBody>
+          <a:bodyPr wrap="square">
+            <a:spAutoFit/>
+          </a:bodyPr>
+          <a:lstStyle/>
+          <a:p>
+            <a:pPr marL="342900" marR="0" lvl="0" indent="-342900">
+              <a:spcBef>
+                <a:spcPts val="0"/>
+              </a:spcBef>
+              <a:spcAft>
+                <a:spcPts val="0"/>
+              </a:spcAft>
+              <a:buFont typeface="Symbol" panose="05050102010706020507" pitchFamily="18" charset="2"/>
+              <a:buChar char=""/>
+            </a:pPr>
+            <a:r>
+              <a:rPr lang="en-US" dirty="0" smtClean="0">
+                <a:latin typeface="Calibri" panose="020F0502020204030204" pitchFamily="34" charset="0"/>
+                <a:ea typeface="Times New Roman" panose="02020603050405020304" pitchFamily="18" charset="0"/>
+                <a:cs typeface="Times New Roman" panose="02020603050405020304" pitchFamily="18" charset="0"/>
+              </a:rPr>
+              <a:t>Wrapped up wireframes for</a:t>
+            </a:r>
+          </a:p>
+          <a:p>
+            <a:pPr marL="800100" lvl="1" indent="-342900">
+              <a:spcBef>
+                <a:spcPts val="0"/>
+              </a:spcBef>
+              <a:spcAft>
+                <a:spcPts val="0"/>
+              </a:spcAft>
+              <a:buFont typeface="Symbol" panose="05050102010706020507" pitchFamily="18" charset="2"/>
+              <a:buChar char=""/>
+            </a:pPr>
+            <a:r>
+              <a:rPr lang="en-US" dirty="0" smtClean="0">
+                <a:latin typeface="Calibri" panose="020F0502020204030204" pitchFamily="34" charset="0"/>
+                <a:ea typeface="Times New Roman" panose="02020603050405020304" pitchFamily="18" charset="0"/>
+                <a:cs typeface="Times New Roman" panose="02020603050405020304" pitchFamily="18" charset="0"/>
+              </a:rPr>
+              <a:t>Login authentication</a:t>
+            </a:r>
+          </a:p>
+          <a:p>
+            <a:pPr marL="800100" lvl="1" indent="-342900">
+              <a:spcBef>
+                <a:spcPts val="0"/>
+              </a:spcBef>
+              <a:spcAft>
+                <a:spcPts val="0"/>
+              </a:spcAft>
+              <a:buFont typeface="Symbol" panose="05050102010706020507" pitchFamily="18" charset="2"/>
+              <a:buChar char=""/>
+            </a:pPr>
+            <a:r>
+              <a:rPr lang="en-US" dirty="0" smtClean="0">
+                <a:latin typeface="Calibri" panose="020F0502020204030204" pitchFamily="34" charset="0"/>
+                <a:ea typeface="Times New Roman" panose="02020603050405020304" pitchFamily="18" charset="0"/>
+                <a:cs typeface="Times New Roman" panose="02020603050405020304" pitchFamily="18" charset="0"/>
+              </a:rPr>
+              <a:t>Rater Dashboard &amp;</a:t>
+            </a:r>
+          </a:p>
+          <a:p>
+            <a:pPr marL="1257300" lvl="2" indent="-342900">
+              <a:spcBef>
+                <a:spcPts val="0"/>
+              </a:spcBef>
+              <a:spcAft>
+                <a:spcPts val="0"/>
+              </a:spcAft>
+              <a:buFont typeface="Symbol" panose="05050102010706020507" pitchFamily="18" charset="2"/>
+              <a:buChar char=""/>
+            </a:pPr>
+            <a:r>
+              <a:rPr lang="en-US" dirty="0">
+                <a:latin typeface="Calibri" panose="020F0502020204030204" pitchFamily="34" charset="0"/>
+                <a:ea typeface="Times New Roman" panose="02020603050405020304" pitchFamily="18" charset="0"/>
+                <a:cs typeface="Times New Roman" panose="02020603050405020304" pitchFamily="18" charset="0"/>
+              </a:rPr>
+              <a:t>Work </a:t>
+            </a:r>
+            <a:r>
+              <a:rPr lang="en-US" dirty="0" smtClean="0">
+                <a:latin typeface="Calibri" panose="020F0502020204030204" pitchFamily="34" charset="0"/>
+                <a:ea typeface="Times New Roman" panose="02020603050405020304" pitchFamily="18" charset="0"/>
+                <a:cs typeface="Times New Roman" panose="02020603050405020304" pitchFamily="18" charset="0"/>
+              </a:rPr>
+              <a:t>Queue option</a:t>
+            </a:r>
+            <a:endParaRPr lang="en-US" dirty="0">
+              <a:latin typeface="Calibri" panose="020F0502020204030204" pitchFamily="34" charset="0"/>
+              <a:ea typeface="Times New Roman" panose="02020603050405020304" pitchFamily="18" charset="0"/>
+              <a:cs typeface="Times New Roman" panose="02020603050405020304" pitchFamily="18" charset="0"/>
+            </a:endParaRPr>
+          </a:p>
+          <a:p>
+            <a:pPr marL="1257300" lvl="2" indent="-342900">
+              <a:spcBef>
+                <a:spcPts val="0"/>
+              </a:spcBef>
+              <a:spcAft>
+                <a:spcPts val="0"/>
+              </a:spcAft>
+              <a:buFont typeface="Symbol" panose="05050102010706020507" pitchFamily="18" charset="2"/>
+              <a:buChar char=""/>
+            </a:pPr>
+            <a:r>
+              <a:rPr lang="en-US" dirty="0">
+                <a:latin typeface="Calibri" panose="020F0502020204030204" pitchFamily="34" charset="0"/>
+                <a:ea typeface="Times New Roman" panose="02020603050405020304" pitchFamily="18" charset="0"/>
+                <a:cs typeface="Times New Roman" panose="02020603050405020304" pitchFamily="18" charset="0"/>
+              </a:rPr>
+              <a:t>Select Model </a:t>
+            </a:r>
+            <a:r>
+              <a:rPr lang="en-US" dirty="0" smtClean="0">
+                <a:latin typeface="Calibri" panose="020F0502020204030204" pitchFamily="34" charset="0"/>
+                <a:ea typeface="Times New Roman" panose="02020603050405020304" pitchFamily="18" charset="0"/>
+                <a:cs typeface="Times New Roman" panose="02020603050405020304" pitchFamily="18" charset="0"/>
+              </a:rPr>
+              <a:t>option &amp;</a:t>
+            </a:r>
+          </a:p>
+          <a:p>
+            <a:pPr marL="1257300" lvl="2" indent="-342900">
+              <a:spcBef>
+                <a:spcPts val="0"/>
+              </a:spcBef>
+              <a:spcAft>
+                <a:spcPts val="0"/>
+              </a:spcAft>
+              <a:buFont typeface="Symbol" panose="05050102010706020507" pitchFamily="18" charset="2"/>
+              <a:buChar char=""/>
+            </a:pPr>
+            <a:r>
+              <a:rPr lang="en-US" dirty="0" smtClean="0">
+                <a:latin typeface="Calibri" panose="020F0502020204030204" pitchFamily="34" charset="0"/>
+                <a:ea typeface="Times New Roman" panose="02020603050405020304" pitchFamily="18" charset="0"/>
+                <a:cs typeface="Times New Roman" panose="02020603050405020304" pitchFamily="18" charset="0"/>
+              </a:rPr>
+              <a:t>Advanced Search criteria options </a:t>
+            </a:r>
+            <a:r>
+              <a:rPr lang="en-US" dirty="0">
+                <a:latin typeface="Calibri" panose="020F0502020204030204" pitchFamily="34" charset="0"/>
+                <a:ea typeface="Times New Roman" panose="02020603050405020304" pitchFamily="18" charset="0"/>
+                <a:cs typeface="Times New Roman" panose="02020603050405020304" pitchFamily="18" charset="0"/>
+              </a:rPr>
+              <a:t>proposed to business – </a:t>
+            </a:r>
+            <a:r>
+              <a:rPr lang="en-US" i="1" dirty="0">
+                <a:latin typeface="Calibri" panose="020F0502020204030204" pitchFamily="34" charset="0"/>
+                <a:ea typeface="Times New Roman" panose="02020603050405020304" pitchFamily="18" charset="0"/>
+                <a:cs typeface="Times New Roman" panose="02020603050405020304" pitchFamily="18" charset="0"/>
+              </a:rPr>
+              <a:t>awaiting </a:t>
+            </a:r>
+            <a:r>
+              <a:rPr lang="en-US" i="1" dirty="0" smtClean="0">
+                <a:latin typeface="Calibri" panose="020F0502020204030204" pitchFamily="34" charset="0"/>
+                <a:ea typeface="Times New Roman" panose="02020603050405020304" pitchFamily="18" charset="0"/>
+                <a:cs typeface="Times New Roman" panose="02020603050405020304" pitchFamily="18" charset="0"/>
+              </a:rPr>
+              <a:t>approval</a:t>
+            </a:r>
+          </a:p>
+          <a:p>
+            <a:pPr marL="342900" lvl="0" indent="-342900">
+              <a:spcBef>
+                <a:spcPts val="0"/>
+              </a:spcBef>
+              <a:spcAft>
+                <a:spcPts val="0"/>
+              </a:spcAft>
+              <a:buFont typeface="Symbol" panose="05050102010706020507" pitchFamily="18" charset="2"/>
+              <a:buChar char=""/>
+            </a:pPr>
+            <a:r>
+              <a:rPr lang="en-US" dirty="0" smtClean="0">
+                <a:latin typeface="Calibri" panose="020F0502020204030204" pitchFamily="34" charset="0"/>
+                <a:ea typeface="Times New Roman" panose="02020603050405020304" pitchFamily="18" charset="0"/>
+                <a:cs typeface="Times New Roman" panose="02020603050405020304" pitchFamily="18" charset="0"/>
+              </a:rPr>
+              <a:t>Created </a:t>
+            </a:r>
+            <a:r>
+              <a:rPr lang="en-US" dirty="0">
+                <a:latin typeface="Calibri" panose="020F0502020204030204" pitchFamily="34" charset="0"/>
+                <a:ea typeface="Times New Roman" panose="02020603050405020304" pitchFamily="18" charset="0"/>
+                <a:cs typeface="Times New Roman" panose="02020603050405020304" pitchFamily="18" charset="0"/>
+              </a:rPr>
+              <a:t>UI templates for login process</a:t>
+            </a:r>
+          </a:p>
+          <a:p>
+            <a:pPr marL="342900" indent="-342900">
+              <a:spcBef>
+                <a:spcPts val="0"/>
+              </a:spcBef>
+              <a:spcAft>
+                <a:spcPts val="0"/>
+              </a:spcAft>
+              <a:buFont typeface="Symbol" panose="05050102010706020507" pitchFamily="18" charset="2"/>
+              <a:buChar char=""/>
+            </a:pPr>
+            <a:r>
+              <a:rPr lang="en-US" dirty="0" smtClean="0">
+                <a:latin typeface="Calibri" panose="020F0502020204030204" pitchFamily="34" charset="0"/>
+                <a:ea typeface="Times New Roman" panose="02020603050405020304" pitchFamily="18" charset="0"/>
+                <a:cs typeface="Times New Roman" panose="02020603050405020304" pitchFamily="18" charset="0"/>
+              </a:rPr>
+              <a:t>Completed </a:t>
+            </a:r>
+            <a:r>
+              <a:rPr lang="en-US" dirty="0">
+                <a:latin typeface="Calibri" panose="020F0502020204030204" pitchFamily="34" charset="0"/>
+                <a:ea typeface="Times New Roman" panose="02020603050405020304" pitchFamily="18" charset="0"/>
+                <a:cs typeface="Times New Roman" panose="02020603050405020304" pitchFamily="18" charset="0"/>
+              </a:rPr>
+              <a:t>the Logical </a:t>
+            </a:r>
+            <a:r>
+              <a:rPr lang="en-US" dirty="0" smtClean="0">
+                <a:latin typeface="Calibri" panose="020F0502020204030204" pitchFamily="34" charset="0"/>
+                <a:ea typeface="Times New Roman" panose="02020603050405020304" pitchFamily="18" charset="0"/>
+                <a:cs typeface="Times New Roman" panose="02020603050405020304" pitchFamily="18" charset="0"/>
+              </a:rPr>
+              <a:t>&amp; Physical data model </a:t>
+            </a:r>
+            <a:r>
+              <a:rPr lang="en-US" dirty="0">
+                <a:latin typeface="Calibri" panose="020F0502020204030204" pitchFamily="34" charset="0"/>
+                <a:ea typeface="Times New Roman" panose="02020603050405020304" pitchFamily="18" charset="0"/>
+                <a:cs typeface="Times New Roman" panose="02020603050405020304" pitchFamily="18" charset="0"/>
+              </a:rPr>
+              <a:t>for the Distributed Data Models (DDMs)</a:t>
+            </a:r>
+          </a:p>
+          <a:p>
+            <a:pPr marL="342900" lvl="0" indent="-342900">
+              <a:spcBef>
+                <a:spcPts val="0"/>
+              </a:spcBef>
+              <a:spcAft>
+                <a:spcPts val="0"/>
+              </a:spcAft>
+              <a:buFont typeface="Symbol" panose="05050102010706020507" pitchFamily="18" charset="2"/>
+              <a:buChar char=""/>
+            </a:pPr>
+            <a:r>
+              <a:rPr lang="en-US" dirty="0" smtClean="0">
+                <a:latin typeface="Calibri" panose="020F0502020204030204" pitchFamily="34" charset="0"/>
+                <a:ea typeface="Times New Roman" panose="02020603050405020304" pitchFamily="18" charset="0"/>
+                <a:cs typeface="Times New Roman" panose="02020603050405020304" pitchFamily="18" charset="0"/>
+              </a:rPr>
+              <a:t>Created Database objects </a:t>
+            </a:r>
+            <a:r>
+              <a:rPr lang="en-US" dirty="0">
+                <a:latin typeface="Calibri" panose="020F0502020204030204" pitchFamily="34" charset="0"/>
+                <a:ea typeface="Times New Roman" panose="02020603050405020304" pitchFamily="18" charset="0"/>
+                <a:cs typeface="Times New Roman" panose="02020603050405020304" pitchFamily="18" charset="0"/>
+              </a:rPr>
+              <a:t>in the DEV schema in support of the DDM </a:t>
+            </a:r>
+            <a:endParaRPr lang="en-US" dirty="0" smtClean="0">
+              <a:latin typeface="Calibri" panose="020F0502020204030204" pitchFamily="34" charset="0"/>
+              <a:ea typeface="Times New Roman" panose="02020603050405020304" pitchFamily="18" charset="0"/>
+              <a:cs typeface="Times New Roman" panose="02020603050405020304" pitchFamily="18" charset="0"/>
+            </a:endParaRPr>
+          </a:p>
+          <a:p>
+            <a:pPr marL="342900" indent="-342900">
+              <a:spcBef>
+                <a:spcPts val="0"/>
+              </a:spcBef>
+              <a:spcAft>
+                <a:spcPts val="0"/>
+              </a:spcAft>
+              <a:buFont typeface="Symbol" panose="05050102010706020507" pitchFamily="18" charset="2"/>
+              <a:buChar char=""/>
+            </a:pPr>
+            <a:r>
+              <a:rPr lang="en-US" dirty="0">
+                <a:latin typeface="Calibri" panose="020F0502020204030204" pitchFamily="34" charset="0"/>
+                <a:ea typeface="Times New Roman" panose="02020603050405020304" pitchFamily="18" charset="0"/>
+                <a:cs typeface="Times New Roman" panose="02020603050405020304" pitchFamily="18" charset="0"/>
+              </a:rPr>
+              <a:t>Refinements to Ear and Knee models – based on data </a:t>
+            </a:r>
+            <a:r>
+              <a:rPr lang="en-US" dirty="0" smtClean="0">
+                <a:latin typeface="Calibri" panose="020F0502020204030204" pitchFamily="34" charset="0"/>
+                <a:ea typeface="Times New Roman" panose="02020603050405020304" pitchFamily="18" charset="0"/>
+                <a:cs typeface="Times New Roman" panose="02020603050405020304" pitchFamily="18" charset="0"/>
+              </a:rPr>
+              <a:t>verification, modified scripts for re-run</a:t>
+            </a:r>
+            <a:endParaRPr lang="en-US" dirty="0">
+              <a:latin typeface="Calibri" panose="020F0502020204030204" pitchFamily="34" charset="0"/>
+              <a:ea typeface="Times New Roman" panose="02020603050405020304" pitchFamily="18" charset="0"/>
+              <a:cs typeface="Times New Roman" panose="02020603050405020304" pitchFamily="18" charset="0"/>
+            </a:endParaRPr>
+          </a:p>
+          <a:p>
+            <a:pPr marL="342900" lvl="0" indent="-342900">
+              <a:spcBef>
+                <a:spcPts val="0"/>
+              </a:spcBef>
+              <a:spcAft>
+                <a:spcPts val="0"/>
+              </a:spcAft>
+              <a:buFont typeface="Symbol" panose="05050102010706020507" pitchFamily="18" charset="2"/>
+              <a:buChar char=""/>
+            </a:pPr>
+            <a:r>
+              <a:rPr lang="en-US" dirty="0" smtClean="0">
+                <a:latin typeface="Calibri" panose="020F0502020204030204" pitchFamily="34" charset="0"/>
+                <a:ea typeface="Times New Roman" panose="02020603050405020304" pitchFamily="18" charset="0"/>
+                <a:cs typeface="Times New Roman" panose="02020603050405020304" pitchFamily="18" charset="0"/>
+              </a:rPr>
+              <a:t>Defined </a:t>
+            </a:r>
+            <a:r>
+              <a:rPr lang="en-US" dirty="0">
+                <a:latin typeface="Calibri" panose="020F0502020204030204" pitchFamily="34" charset="0"/>
+                <a:ea typeface="Times New Roman" panose="02020603050405020304" pitchFamily="18" charset="0"/>
+                <a:cs typeface="Times New Roman" panose="02020603050405020304" pitchFamily="18" charset="0"/>
+              </a:rPr>
+              <a:t>Continuous Integration </a:t>
+            </a:r>
+            <a:r>
+              <a:rPr lang="en-US" dirty="0" smtClean="0">
+                <a:latin typeface="Calibri" panose="020F0502020204030204" pitchFamily="34" charset="0"/>
+                <a:ea typeface="Times New Roman" panose="02020603050405020304" pitchFamily="18" charset="0"/>
+                <a:cs typeface="Times New Roman" panose="02020603050405020304" pitchFamily="18" charset="0"/>
+              </a:rPr>
+              <a:t>process</a:t>
+            </a:r>
+          </a:p>
+          <a:p>
+            <a:pPr marL="342900" lvl="0" indent="-342900">
+              <a:spcBef>
+                <a:spcPts val="0"/>
+              </a:spcBef>
+              <a:spcAft>
+                <a:spcPts val="0"/>
+              </a:spcAft>
+              <a:buFont typeface="Symbol" panose="05050102010706020507" pitchFamily="18" charset="2"/>
+              <a:buChar char=""/>
+            </a:pPr>
+            <a:r>
+              <a:rPr lang="en-US" dirty="0" smtClean="0">
+                <a:latin typeface="Calibri" panose="020F0502020204030204" pitchFamily="34" charset="0"/>
+                <a:ea typeface="Times New Roman" panose="02020603050405020304" pitchFamily="18" charset="0"/>
+                <a:cs typeface="Times New Roman" panose="02020603050405020304" pitchFamily="18" charset="0"/>
+              </a:rPr>
+              <a:t>Created various documents </a:t>
+            </a:r>
+            <a:r>
+              <a:rPr lang="en-US" dirty="0">
+                <a:latin typeface="Calibri" panose="020F0502020204030204" pitchFamily="34" charset="0"/>
+                <a:ea typeface="Times New Roman" panose="02020603050405020304" pitchFamily="18" charset="0"/>
+                <a:cs typeface="Times New Roman" panose="02020603050405020304" pitchFamily="18" charset="0"/>
+              </a:rPr>
+              <a:t>for the Collaborative Deliverable Package</a:t>
+            </a:r>
+          </a:p>
+          <a:p>
+            <a:pPr marL="342900" indent="-342900">
+              <a:spcBef>
+                <a:spcPts val="0"/>
+              </a:spcBef>
+              <a:spcAft>
+                <a:spcPts val="0"/>
+              </a:spcAft>
+              <a:buFont typeface="Symbol" panose="05050102010706020507" pitchFamily="18" charset="2"/>
+              <a:buChar char=""/>
+            </a:pPr>
+            <a:endParaRPr lang="en-US" dirty="0" smtClean="0">
+              <a:latin typeface="Calibri" panose="020F0502020204030204" pitchFamily="34" charset="0"/>
+              <a:ea typeface="Times New Roman" panose="02020603050405020304" pitchFamily="18" charset="0"/>
+              <a:cs typeface="Times New Roman" panose="02020603050405020304" pitchFamily="18" charset="0"/>
+            </a:endParaRPr>
+          </a:p>
+        </p:txBody>
+      </p:sp>
     </p:spTree>
     <p:extLst>
       <p:ext uri="{BB962C8B-B14F-4D97-AF65-F5344CB8AC3E}">
@@ -23409,7 +24140,7 @@
         <p:spPr>
           <a:xfrm>
             <a:off x="311249" y="1460529"/>
-            <a:ext cx="8328486" cy="1231106"/>
+            <a:ext cx="8328486" cy="2616101"/>
           </a:xfrm>
           <a:prstGeom prst="rect">
             <a:avLst/>
@@ -23441,6 +24172,56 @@
             </a:r>
           </a:p>
           <a:p>
+            <a:pPr marL="800100" lvl="1" indent="-342900">
+              <a:spcBef>
+                <a:spcPts val="0"/>
+              </a:spcBef>
+              <a:spcAft>
+                <a:spcPts val="0"/>
+              </a:spcAft>
+              <a:buFont typeface="Symbol" panose="05050102010706020507" pitchFamily="18" charset="2"/>
+              <a:buChar char=""/>
+            </a:pPr>
+            <a:r>
+              <a:rPr lang="en-US" dirty="0" smtClean="0">
+                <a:latin typeface="Calibri" panose="020F0502020204030204" pitchFamily="34" charset="0"/>
+                <a:ea typeface="Times New Roman" panose="02020603050405020304" pitchFamily="18" charset="0"/>
+                <a:cs typeface="Times New Roman" panose="02020603050405020304" pitchFamily="18" charset="0"/>
+              </a:rPr>
+              <a:t>There </a:t>
+            </a:r>
+            <a:r>
+              <a:rPr lang="en-US" dirty="0">
+                <a:latin typeface="Calibri" panose="020F0502020204030204" pitchFamily="34" charset="0"/>
+                <a:ea typeface="Times New Roman" panose="02020603050405020304" pitchFamily="18" charset="0"/>
+                <a:cs typeface="Times New Roman" panose="02020603050405020304" pitchFamily="18" charset="0"/>
+              </a:rPr>
+              <a:t>was a limit to number of concurrent remote connections to our BCDS sandbox environment within the FTL</a:t>
+            </a:r>
+            <a:endParaRPr lang="en-US" dirty="0" smtClean="0">
+              <a:latin typeface="Calibri" panose="020F0502020204030204" pitchFamily="34" charset="0"/>
+              <a:ea typeface="Times New Roman" panose="02020603050405020304" pitchFamily="18" charset="0"/>
+              <a:cs typeface="Times New Roman" panose="02020603050405020304" pitchFamily="18" charset="0"/>
+            </a:endParaRPr>
+          </a:p>
+          <a:p>
+            <a:pPr marL="342900" marR="0" lvl="0" indent="-342900">
+              <a:spcBef>
+                <a:spcPts val="0"/>
+              </a:spcBef>
+              <a:spcAft>
+                <a:spcPts val="0"/>
+              </a:spcAft>
+              <a:buFont typeface="Symbol" panose="05050102010706020507" pitchFamily="18" charset="2"/>
+              <a:buChar char=""/>
+            </a:pPr>
+            <a:endParaRPr lang="en-US" dirty="0" smtClean="0">
+              <a:latin typeface="Calibri" panose="020F0502020204030204" pitchFamily="34" charset="0"/>
+              <a:ea typeface="Times New Roman" panose="02020603050405020304" pitchFamily="18" charset="0"/>
+              <a:cs typeface="Times New Roman" panose="02020603050405020304" pitchFamily="18" charset="0"/>
+            </a:endParaRPr>
+          </a:p>
+          <a:p>
             <a:pPr marL="342900" marR="0" lvl="0" indent="-342900">
               <a:spcBef>
                 <a:spcPts val="0"/>
@@ -23459,6 +24240,51 @@
               </a:rPr>
               <a:t>Mitigation</a:t>
             </a:r>
+          </a:p>
+          <a:p>
+            <a:pPr marL="800100" lvl="1" indent="-342900">
+              <a:spcBef>
+                <a:spcPts val="0"/>
+              </a:spcBef>
+              <a:spcAft>
+                <a:spcPts val="0"/>
+              </a:spcAft>
+              <a:buFont typeface="Symbol" panose="05050102010706020507" pitchFamily="18" charset="2"/>
+              <a:buChar char=""/>
+            </a:pPr>
+            <a:r>
+              <a:rPr lang="en-US" dirty="0" smtClean="0">
+                <a:latin typeface="Calibri" panose="020F0502020204030204" pitchFamily="34" charset="0"/>
+                <a:ea typeface="Times New Roman" panose="02020603050405020304" pitchFamily="18" charset="0"/>
+                <a:cs typeface="Times New Roman" panose="02020603050405020304" pitchFamily="18" charset="0"/>
+              </a:rPr>
+              <a:t>Put </a:t>
+            </a:r>
+            <a:r>
+              <a:rPr lang="en-US" dirty="0">
+                <a:latin typeface="Calibri" panose="020F0502020204030204" pitchFamily="34" charset="0"/>
+                <a:ea typeface="Times New Roman" panose="02020603050405020304" pitchFamily="18" charset="0"/>
+                <a:cs typeface="Times New Roman" panose="02020603050405020304" pitchFamily="18" charset="0"/>
+              </a:rPr>
+              <a:t>in a support ticket to up the number of allowable connections</a:t>
+            </a:r>
+          </a:p>
+          <a:p>
+            <a:pPr marL="800100" lvl="1" indent="-342900">
+              <a:spcBef>
+                <a:spcPts val="0"/>
+              </a:spcBef>
+              <a:spcAft>
+                <a:spcPts val="0"/>
+              </a:spcAft>
+              <a:buFont typeface="Symbol" panose="05050102010706020507" pitchFamily="18" charset="2"/>
+              <a:buChar char=""/>
+            </a:pPr>
+            <a:endParaRPr lang="en-US" dirty="0" smtClean="0">
+              <a:latin typeface="Calibri" panose="020F0502020204030204" pitchFamily="34" charset="0"/>
+              <a:ea typeface="Times New Roman" panose="02020603050405020304" pitchFamily="18" charset="0"/>
+              <a:cs typeface="Times New Roman" panose="02020603050405020304" pitchFamily="18" charset="0"/>
+            </a:endParaRPr>
           </a:p>
           <a:p>
             <a:pPr marL="342900" marR="0" lvl="0" indent="-342900">
@@ -23787,21 +24613,21 @@
       </p:sp>
       <p:graphicFrame>
         <p:nvGraphicFramePr>
-          <p:cNvPr id="7" name="Chart 6"/>
+          <p:cNvPr id="5" name="Chart 4"/>
           <p:cNvGraphicFramePr>
             <a:graphicFrameLocks/>
           </p:cNvGraphicFramePr>
           <p:nvPr>
             <p:extLst>
               <p:ext uri="{D42A27DB-BD31-4B8C-83A1-F6EECF244321}">
-                <p14:modId xmlns:p14="http://schemas.microsoft.com/office/powerpoint/2010/main" val="2025824640"/>
+                <p14:modId xmlns:p14="http://schemas.microsoft.com/office/powerpoint/2010/main" val="2802377679"/>
               </p:ext>
             </p:extLst>
           </p:nvPr>
         </p:nvGraphicFramePr>
         <p:xfrm>
-          <a:off x="402455" y="1393303"/>
-          <a:ext cx="8366078" cy="4899547"/>
+          <a:off x="258762" y="1323834"/>
+          <a:ext cx="8625931" cy="4969016"/>
         </p:xfrm>
         <a:graphic>
           <a:graphicData uri="http://schemas.openxmlformats.org/drawingml/2006/chart">
@@ -23923,21 +24749,21 @@
       </p:sp>
       <p:graphicFrame>
         <p:nvGraphicFramePr>
-          <p:cNvPr id="5" name="Chart 4"/>
+          <p:cNvPr id="6" name="Chart 5"/>
           <p:cNvGraphicFramePr>
             <a:graphicFrameLocks/>
           </p:cNvGraphicFramePr>
           <p:nvPr>
             <p:extLst>
               <p:ext uri="{D42A27DB-BD31-4B8C-83A1-F6EECF244321}">
-                <p14:modId xmlns:p14="http://schemas.microsoft.com/office/powerpoint/2010/main" val="1970696739"/>
+                <p14:modId xmlns:p14="http://schemas.microsoft.com/office/powerpoint/2010/main" val="1075469762"/>
               </p:ext>
             </p:extLst>
           </p:nvPr>
         </p:nvGraphicFramePr>
         <p:xfrm>
-          <a:off x="253218" y="1533378"/>
-          <a:ext cx="8433582" cy="4759472"/>
+          <a:off x="245659" y="1351128"/>
+          <a:ext cx="8625385" cy="4941722"/>
         </p:xfrm>
         <a:graphic>
           <a:graphicData uri="http://schemas.openxmlformats.org/drawingml/2006/chart">
@@ -24926,18 +25752,6 @@
 </file>
 
 <file path=customXml/item1.xml><?xml version="1.0" encoding="utf-8"?>
-<p:properties xmlns:p="http://schemas.microsoft.com/office/2006/metadata/properties" xmlns:xsi="http://www.w3.org/2001/XMLSchema-instance" xmlns:pc="http://schemas.microsoft.com/office/infopath/2007/PartnerControls">
-  <documentManagement>
-    <_dlc_DocId xmlns="b728bc40-9ebe-4226-96b8-7eafc62ec4c6">3SVQN3J3KJXZ-2-5174</_dlc_DocId>
-    <_dlc_DocIdUrl xmlns="b728bc40-9ebe-4226-96b8-7eafc62ec4c6">
-      <Url>https://www.aide.oit.va.gov/sites/rba/_layouts/DocIdRedir.aspx?ID=3SVQN3J3KJXZ-2-5174</Url>
-      <Description>3SVQN3J3KJXZ-2-5174</Description>
-    </_dlc_DocIdUrl>
-  </documentManagement>
-</p:properties>
-</file>
-
-<file path=customXml/item2.xml><?xml version="1.0" encoding="utf-8"?>
 <ct:contentTypeSchema xmlns:ct="http://schemas.microsoft.com/office/2006/metadata/contentType" xmlns:ma="http://schemas.microsoft.com/office/2006/metadata/properties/metaAttributes" ct:_="" ma:_="" ma:contentTypeName="Document" ma:contentTypeID="0x010100BDD149D57B116C49BD7B761C1264D8CC" ma:contentTypeVersion="1" ma:contentTypeDescription="Create a new document." ma:contentTypeScope="" ma:versionID="d98670c9e564f4e973fd9f96ef100ab2">
   <xsd:schema xmlns:xsd="http://www.w3.org/2001/XMLSchema" xmlns:xs="http://www.w3.org/2001/XMLSchema" xmlns:p="http://schemas.microsoft.com/office/2006/metadata/properties" xmlns:ns2="b728bc40-9ebe-4226-96b8-7eafc62ec4c6" targetNamespace="http://schemas.microsoft.com/office/2006/metadata/properties" ma:root="true" ma:fieldsID="01305487d51d9c304dc8d5f7bdeb4abc" ns2:_="">
     <xsd:import namespace="b728bc40-9ebe-4226-96b8-7eafc62ec4c6"/>
@@ -25082,7 +25896,7 @@
 </ct:contentTypeSchema>
 </file>
 
-<file path=customXml/item3.xml><?xml version="1.0" encoding="utf-8"?>
+<file path=customXml/item2.xml><?xml version="1.0" encoding="utf-8"?>
 <?mso-contentType ?>
 <FormTemplates xmlns="http://schemas.microsoft.com/sharepoint/v3/contenttype/forms">
   <Display>DocumentLibraryForm</Display>
@@ -25091,7 +25905,7 @@
 </FormTemplates>
 </file>
 
-<file path=customXml/item4.xml><?xml version="1.0" encoding="utf-8"?>
+<file path=customXml/item3.xml><?xml version="1.0" encoding="utf-8"?>
 <?mso-contentType ?>
 <spe:Receivers xmlns:spe="http://schemas.microsoft.com/sharepoint/events">
   <Receiver>
@@ -25137,23 +25951,19 @@
 </spe:Receivers>
 </file>
 
-<file path=customXml/itemProps1.xml><?xml version="1.0" encoding="utf-8"?>
-<ds:datastoreItem xmlns:ds="http://schemas.openxmlformats.org/officeDocument/2006/customXml" ds:itemID="{1669B488-D971-481D-8D8F-E36362E460B9}">
-  <ds:schemaRefs>
-    <ds:schemaRef ds:uri="http://schemas.openxmlformats.org/package/2006/metadata/core-properties"/>
-    <ds:schemaRef ds:uri="http://purl.org/dc/terms/"/>
-    <ds:schemaRef ds:uri="http://www.w3.org/XML/1998/namespace"/>
-    <ds:schemaRef ds:uri="b728bc40-9ebe-4226-96b8-7eafc62ec4c6"/>
-    <ds:schemaRef ds:uri="http://purl.org/dc/elements/1.1/"/>
-    <ds:schemaRef ds:uri="http://schemas.microsoft.com/office/2006/documentManagement/types"/>
-    <ds:schemaRef ds:uri="http://schemas.microsoft.com/office/infopath/2007/PartnerControls"/>
-    <ds:schemaRef ds:uri="http://schemas.microsoft.com/office/2006/metadata/properties"/>
-    <ds:schemaRef ds:uri="http://purl.org/dc/dcmitype/"/>
-  </ds:schemaRefs>
-</ds:datastoreItem>
+<file path=customXml/item4.xml><?xml version="1.0" encoding="utf-8"?>
+<p:properties xmlns:p="http://schemas.microsoft.com/office/2006/metadata/properties" xmlns:xsi="http://www.w3.org/2001/XMLSchema-instance" xmlns:pc="http://schemas.microsoft.com/office/infopath/2007/PartnerControls">
+  <documentManagement>
+    <_dlc_DocId xmlns="b728bc40-9ebe-4226-96b8-7eafc62ec4c6">3SVQN3J3KJXZ-2-5174</_dlc_DocId>
+    <_dlc_DocIdUrl xmlns="b728bc40-9ebe-4226-96b8-7eafc62ec4c6">
+      <Url>https://www.aide.oit.va.gov/sites/rba/_layouts/DocIdRedir.aspx?ID=3SVQN3J3KJXZ-2-5174</Url>
+      <Description>3SVQN3J3KJXZ-2-5174</Description>
+    </_dlc_DocIdUrl>
+  </documentManagement>
+</p:properties>
 </file>
 
-<file path=customXml/itemProps2.xml><?xml version="1.0" encoding="utf-8"?>
+<file path=customXml/itemProps1.xml><?xml version="1.0" encoding="utf-8"?>
 <ds:datastoreItem xmlns:ds="http://schemas.openxmlformats.org/officeDocument/2006/customXml" ds:itemID="{E65ED34C-D220-4DEE-BDB6-DABBFDFFCA03}">
   <ds:schemaRefs>
     <ds:schemaRef ds:uri="http://schemas.microsoft.com/office/2006/metadata/contentType"/>
@@ -25171,7 +25981,7 @@
 </ds:datastoreItem>
 </file>
 
-<file path=customXml/itemProps3.xml><?xml version="1.0" encoding="utf-8"?>
+<file path=customXml/itemProps2.xml><?xml version="1.0" encoding="utf-8"?>
 <ds:datastoreItem xmlns:ds="http://schemas.openxmlformats.org/officeDocument/2006/customXml" ds:itemID="{DAFC0FAB-0B7D-4CC7-9047-E33E96DD7545}">
   <ds:schemaRefs>
     <ds:schemaRef ds:uri="http://schemas.microsoft.com/sharepoint/v3/contenttype/forms"/>
@@ -25179,10 +25989,26 @@
 </ds:datastoreItem>
 </file>
 
-<file path=customXml/itemProps4.xml><?xml version="1.0" encoding="utf-8"?>
+<file path=customXml/itemProps3.xml><?xml version="1.0" encoding="utf-8"?>
 <ds:datastoreItem xmlns:ds="http://schemas.openxmlformats.org/officeDocument/2006/customXml" ds:itemID="{A98B1575-7E8E-4074-88A4-6651E60AC0B8}">
   <ds:schemaRefs>
     <ds:schemaRef ds:uri="http://schemas.microsoft.com/sharepoint/events"/>
   </ds:schemaRefs>
 </ds:datastoreItem>
+</file>
+
+<file path=customXml/itemProps4.xml><?xml version="1.0" encoding="utf-8"?>
+<ds:datastoreItem xmlns:ds="http://schemas.openxmlformats.org/officeDocument/2006/customXml" ds:itemID="{1669B488-D971-481D-8D8F-E36362E460B9}">
+  <ds:schemaRefs>
+    <ds:schemaRef ds:uri="http://purl.org/dc/elements/1.1/"/>
+    <ds:schemaRef ds:uri="http://www.w3.org/XML/1998/namespace"/>
+    <ds:schemaRef ds:uri="http://purl.org/dc/dcmitype/"/>
+    <ds:schemaRef ds:uri="http://schemas.microsoft.com/office/2006/metadata/properties"/>
+    <ds:schemaRef ds:uri="http://schemas.microsoft.com/office/infopath/2007/PartnerControls"/>
+    <ds:schemaRef ds:uri="http://schemas.openxmlformats.org/package/2006/metadata/core-properties"/>
+    <ds:schemaRef ds:uri="http://schemas.microsoft.com/office/2006/documentManagement/types"/>
+    <ds:schemaRef ds:uri="b728bc40-9ebe-4226-96b8-7eafc62ec4c6"/>
+    <ds:schemaRef ds:uri="http://purl.org/dc/terms/"/>
+  </ds:schemaRefs>
+</ds:datastoreItem>
 </file>